--- a/Ratings PPT.pptx
+++ b/Ratings PPT.pptx
@@ -11904,44 +11904,6 @@
           </p:txBody>
         </p:sp>
       </p:grpSp>
-      <p:sp>
-        <p:nvSpPr>
-          <p:cNvPr id="6" name="内容占位符 5"/>
-          <p:cNvSpPr>
-            <a:spLocks noGrp="1"/>
-          </p:cNvSpPr>
-          <p:nvPr>
-            <p:ph idx="1"/>
-            <p:custDataLst>
-              <p:tags r:id="rId1"/>
-            </p:custDataLst>
-          </p:nvPr>
-        </p:nvSpPr>
-        <p:spPr>
-          <a:xfrm>
-            <a:off x="410845" y="953135"/>
-            <a:ext cx="10942955" cy="5344160"/>
-          </a:xfrm>
-        </p:spPr>
-        <p:txBody>
-          <a:bodyPr>
-            <a:normAutofit/>
-          </a:bodyPr>
-          <a:p>
-            <a:pPr marL="0" indent="0">
-              <a:buFont typeface="Wingdings" panose="05000000000000000000" charset="0"/>
-              <a:buNone/>
-            </a:pPr>
-            <a:endParaRPr lang="en-US" altLang="zh-CN" sz="2400" dirty="0">
-              <a:solidFill>
-                <a:schemeClr val="bg1"/>
-              </a:solidFill>
-              <a:latin typeface="Times New Roman" panose="02020603050405020304" charset="0"/>
-              <a:cs typeface="Times New Roman" panose="02020603050405020304" charset="0"/>
-            </a:endParaRPr>
-          </a:p>
-        </p:txBody>
-      </p:sp>
       <p:pic>
         <p:nvPicPr>
           <p:cNvPr id="4" name="Picture 3"/>
@@ -11949,7 +11911,7 @@
           <p:nvPr/>
         </p:nvPicPr>
         <p:blipFill>
-          <a:blip r:embed="rId2">
+          <a:blip r:embed="rId1">
             <a:extLst>
               <a:ext uri="{28A0092B-C50C-407E-A947-70E740481C1C}">
                 <a14:useLocalDpi xmlns:a14="http://schemas.microsoft.com/office/drawing/2010/main" val="0"/>
@@ -11963,7 +11925,7 @@
         </p:blipFill>
         <p:spPr bwMode="auto">
           <a:xfrm>
-            <a:off x="309880" y="1019175"/>
+            <a:off x="244475" y="988695"/>
             <a:ext cx="7705090" cy="5212715"/>
           </a:xfrm>
           <a:prstGeom prst="rect">
@@ -13680,24 +13642,6 @@
       <p:grpSpPr/>
       <p:sp>
         <p:nvSpPr>
-          <p:cNvPr id="2" name="Title 1"/>
-          <p:cNvSpPr>
-            <a:spLocks noGrp="1"/>
-          </p:cNvSpPr>
-          <p:nvPr>
-            <p:ph type="title"/>
-          </p:nvPr>
-        </p:nvSpPr>
-        <p:spPr/>
-        <p:txBody>
-          <a:bodyPr/>
-          <a:p>
-            <a:endParaRPr lang="en-US"/>
-          </a:p>
-        </p:txBody>
-      </p:sp>
-      <p:sp>
-        <p:nvSpPr>
           <p:cNvPr id="7169" name="文本框 3"/>
           <p:cNvSpPr txBox="1"/>
           <p:nvPr/>
@@ -13993,7 +13937,7 @@
         </p:nvSpPr>
         <p:spPr>
           <a:xfrm>
-            <a:off x="575945" y="949325"/>
+            <a:off x="575945" y="1086485"/>
             <a:ext cx="6790055" cy="4799965"/>
           </a:xfrm>
           <a:prstGeom prst="rect">
@@ -24685,25 +24629,6 @@
 </file>
 
 <file path=ppt/tags/tag10.xml><?xml version="1.0" encoding="utf-8"?>
-<p:tagLst xmlns:p="http://schemas.openxmlformats.org/presentationml/2006/main">
-  <p:tag name="KSO_WM_TAG_VERSION" val="1.0"/>
-  <p:tag name="KSO_WM_BEAUTIFY_FLAG" val="#wm#"/>
-  <p:tag name="KSO_WM_TEMPLATE_CATEGORY" val="custom"/>
-  <p:tag name="KSO_WM_TEMPLATE_INDEX" val="160556"/>
-  <p:tag name="KSO_WM_UNIT_TYPE" val="f"/>
-  <p:tag name="KSO_WM_UNIT_INDEX" val="1"/>
-  <p:tag name="KSO_WM_UNIT_ID" val="custom160556_2*f*1"/>
-  <p:tag name="KSO_WM_UNIT_CLEAR" val="1"/>
-  <p:tag name="KSO_WM_UNIT_LAYERLEVEL" val="1"/>
-  <p:tag name="KSO_WM_UNIT_VALUE" val="429"/>
-  <p:tag name="KSO_WM_UNIT_HIGHLIGHT" val="0"/>
-  <p:tag name="KSO_WM_UNIT_COMPATIBLE" val="0"/>
-  <p:tag name="KSO_WM_UNIT_PRESET_TEXT_INDEX" val="4"/>
-  <p:tag name="KSO_WM_UNIT_PRESET_TEXT_LEN" val="114"/>
-</p:tagLst>
-</file>
-
-<file path=ppt/tags/tag11.xml><?xml version="1.0" encoding="utf-8"?>
 <p:tagLst xmlns:p="http://schemas.openxmlformats.org/presentationml/2006/main">
   <p:tag name="KSO_WM_TAG_VERSION" val="1.0"/>
   <p:tag name="KSO_WM_BEAUTIFY_FLAG" val="#wm#"/>
